--- a/project_1/Project 1.pptx
+++ b/project_1/Project 1.pptx
@@ -131,6 +131,11 @@
       </a:defRPr>
     </a:lvl9pPr>
   </p:defaultTextStyle>
+  <p:extLst>
+    <p:ext uri="{EFAFB233-063F-42B5-8137-9DF3F51BA10A}">
+      <p15:sldGuideLst xmlns:p15="http://schemas.microsoft.com/office/powerpoint/2012/main"/>
+    </p:ext>
+  </p:extLst>
 </p:presentation>
 </file>
 
@@ -216,7 +221,7 @@
           <a:p>
             <a:fld id="{AB1EA3F1-6A00-4262-ABEF-E9F7ECA8494A}" type="datetimeFigureOut">
               <a:rPr lang="en-US" smtClean="0"/>
-              <a:t>2024/07/11</a:t>
+              <a:t>2024/07/12</a:t>
             </a:fld>
             <a:endParaRPr lang="en-US"/>
           </a:p>
@@ -891,7 +896,7 @@
           <a:p>
             <a:fld id="{02AC24A9-CCB6-4F8D-B8DB-C2F3692CFA5A}" type="datetimeFigureOut">
               <a:rPr lang="en-US" smtClean="0"/>
-              <a:t>2024/07/11</a:t>
+              <a:t>2024/07/12</a:t>
             </a:fld>
             <a:endParaRPr lang="en-US" dirty="0"/>
           </a:p>
@@ -1261,7 +1266,7 @@
           <a:p>
             <a:fld id="{02AC24A9-CCB6-4F8D-B8DB-C2F3692CFA5A}" type="datetimeFigureOut">
               <a:rPr lang="en-US" smtClean="0"/>
-              <a:t>2024/07/11</a:t>
+              <a:t>2024/07/12</a:t>
             </a:fld>
             <a:endParaRPr lang="en-US"/>
           </a:p>
@@ -1470,7 +1475,7 @@
           <a:p>
             <a:fld id="{02AC24A9-CCB6-4F8D-B8DB-C2F3692CFA5A}" type="datetimeFigureOut">
               <a:rPr lang="en-US" smtClean="0"/>
-              <a:t>2024/07/11</a:t>
+              <a:t>2024/07/12</a:t>
             </a:fld>
             <a:endParaRPr lang="en-US"/>
           </a:p>
@@ -1940,7 +1945,7 @@
           <a:p>
             <a:fld id="{02AC24A9-CCB6-4F8D-B8DB-C2F3692CFA5A}" type="datetimeFigureOut">
               <a:rPr lang="en-US" smtClean="0"/>
-              <a:t>2024/07/11</a:t>
+              <a:t>2024/07/12</a:t>
             </a:fld>
             <a:endParaRPr lang="en-US"/>
           </a:p>
@@ -2394,7 +2399,7 @@
           <a:p>
             <a:fld id="{02AC24A9-CCB6-4F8D-B8DB-C2F3692CFA5A}" type="datetimeFigureOut">
               <a:rPr lang="en-US" smtClean="0"/>
-              <a:t>2024/07/11</a:t>
+              <a:t>2024/07/12</a:t>
             </a:fld>
             <a:endParaRPr lang="en-US"/>
           </a:p>
@@ -2926,7 +2931,7 @@
           <a:p>
             <a:fld id="{02AC24A9-CCB6-4F8D-B8DB-C2F3692CFA5A}" type="datetimeFigureOut">
               <a:rPr lang="en-US" smtClean="0"/>
-              <a:t>2024/07/11</a:t>
+              <a:t>2024/07/12</a:t>
             </a:fld>
             <a:endParaRPr lang="en-US"/>
           </a:p>
@@ -3625,7 +3630,7 @@
           <a:p>
             <a:fld id="{02AC24A9-CCB6-4F8D-B8DB-C2F3692CFA5A}" type="datetimeFigureOut">
               <a:rPr lang="en-US" smtClean="0"/>
-              <a:t>2024/07/11</a:t>
+              <a:t>2024/07/12</a:t>
             </a:fld>
             <a:endParaRPr lang="en-US"/>
           </a:p>
@@ -3954,7 +3959,7 @@
           <a:p>
             <a:fld id="{02AC24A9-CCB6-4F8D-B8DB-C2F3692CFA5A}" type="datetimeFigureOut">
               <a:rPr lang="en-US" smtClean="0"/>
-              <a:t>2024/07/11</a:t>
+              <a:t>2024/07/12</a:t>
             </a:fld>
             <a:endParaRPr lang="en-US"/>
           </a:p>
@@ -4067,7 +4072,7 @@
           <a:p>
             <a:fld id="{02AC24A9-CCB6-4F8D-B8DB-C2F3692CFA5A}" type="datetimeFigureOut">
               <a:rPr lang="en-US" smtClean="0"/>
-              <a:t>2024/07/11</a:t>
+              <a:t>2024/07/12</a:t>
             </a:fld>
             <a:endParaRPr lang="en-US"/>
           </a:p>
@@ -4562,7 +4567,7 @@
           <a:p>
             <a:fld id="{02AC24A9-CCB6-4F8D-B8DB-C2F3692CFA5A}" type="datetimeFigureOut">
               <a:rPr lang="en-US" smtClean="0"/>
-              <a:t>2024/07/11</a:t>
+              <a:t>2024/07/12</a:t>
             </a:fld>
             <a:endParaRPr lang="en-US" dirty="0"/>
           </a:p>
@@ -5039,7 +5044,7 @@
           <a:p>
             <a:fld id="{02AC24A9-CCB6-4F8D-B8DB-C2F3692CFA5A}" type="datetimeFigureOut">
               <a:rPr lang="en-US" smtClean="0"/>
-              <a:t>2024/07/11</a:t>
+              <a:t>2024/07/12</a:t>
             </a:fld>
             <a:endParaRPr lang="en-US"/>
           </a:p>
@@ -5282,7 +5287,7 @@
           <a:p>
             <a:fld id="{02AC24A9-CCB6-4F8D-B8DB-C2F3692CFA5A}" type="datetimeFigureOut">
               <a:rPr lang="en-US" smtClean="0"/>
-              <a:t>2024/07/11</a:t>
+              <a:t>2024/07/12</a:t>
             </a:fld>
             <a:endParaRPr lang="en-US"/>
           </a:p>
@@ -8239,7 +8244,7 @@
         </p:blipFill>
         <p:spPr>
           <a:xfrm>
-            <a:off x="980957" y="2121320"/>
+            <a:off x="1317963" y="2121320"/>
             <a:ext cx="9556074" cy="4525325"/>
           </a:xfrm>
           <a:prstGeom prst="rect">
@@ -8299,8 +8304,8 @@
         </p:blipFill>
         <p:spPr>
           <a:xfrm>
-            <a:off x="159018" y="2185989"/>
-            <a:ext cx="6752569" cy="4618208"/>
+            <a:off x="-13971" y="2328760"/>
+            <a:ext cx="6208890" cy="4246376"/>
           </a:xfrm>
           <a:prstGeom prst="rect">
             <a:avLst/>
@@ -8329,8 +8334,8 @@
         </p:blipFill>
         <p:spPr>
           <a:xfrm>
-            <a:off x="7140673" y="-2627"/>
-            <a:ext cx="5051327" cy="2421869"/>
+            <a:off x="7648150" y="2328760"/>
+            <a:ext cx="4518352" cy="2166333"/>
           </a:xfrm>
           <a:prstGeom prst="rect">
             <a:avLst/>
@@ -8359,8 +8364,8 @@
         </p:blipFill>
         <p:spPr>
           <a:xfrm>
-            <a:off x="7115175" y="2499483"/>
-            <a:ext cx="1903744" cy="1859033"/>
+            <a:off x="6194919" y="2399090"/>
+            <a:ext cx="1467203" cy="1432744"/>
           </a:xfrm>
           <a:prstGeom prst="rect">
             <a:avLst/>
@@ -8389,8 +8394,8 @@
         </p:blipFill>
         <p:spPr>
           <a:xfrm>
-            <a:off x="10220817" y="2450306"/>
-            <a:ext cx="1903744" cy="1859033"/>
+            <a:off x="6194919" y="5248617"/>
+            <a:ext cx="1467203" cy="1432744"/>
           </a:xfrm>
           <a:prstGeom prst="rect">
             <a:avLst/>
@@ -8419,8 +8424,8 @@
         </p:blipFill>
         <p:spPr>
           <a:xfrm>
-            <a:off x="7115175" y="4407694"/>
-            <a:ext cx="5051328" cy="2396503"/>
+            <a:off x="7600323" y="4515027"/>
+            <a:ext cx="4566179" cy="2166334"/>
           </a:xfrm>
           <a:prstGeom prst="rect">
             <a:avLst/>
@@ -8441,7 +8446,7 @@
         </p:nvSpPr>
         <p:spPr>
           <a:xfrm>
-            <a:off x="612625" y="741685"/>
+            <a:off x="849448" y="813958"/>
             <a:ext cx="6932668" cy="646331"/>
           </a:xfrm>
           <a:prstGeom prst="rect">
